--- a/05Infer/02InferSpeedUp/06PagedAttention.pptx
+++ b/05Infer/02InferSpeedUp/06PagedAttention.pptx
@@ -8,10 +8,10 @@
     <p:sldMasterId id="2147483683" r:id="rId4"/>
   </p:sldMasterIdLst>
   <p:notesMasterIdLst>
-    <p:notesMasterId r:id="rId28"/>
+    <p:notesMasterId r:id="rId33"/>
   </p:notesMasterIdLst>
   <p:handoutMasterIdLst>
-    <p:handoutMasterId r:id="rId29"/>
+    <p:handoutMasterId r:id="rId34"/>
   </p:handoutMasterIdLst>
   <p:sldIdLst>
     <p:sldId id="603" r:id="rId5"/>
@@ -31,12 +31,17 @@
     <p:sldId id="2147483509" r:id="rId19"/>
     <p:sldId id="2147483513" r:id="rId20"/>
     <p:sldId id="2147483514" r:id="rId21"/>
-    <p:sldId id="2147483510" r:id="rId22"/>
-    <p:sldId id="2147483522" r:id="rId23"/>
-    <p:sldId id="2516" r:id="rId24"/>
-    <p:sldId id="2147483506" r:id="rId25"/>
-    <p:sldId id="582" r:id="rId26"/>
-    <p:sldId id="2419" r:id="rId27"/>
+    <p:sldId id="2147483528" r:id="rId22"/>
+    <p:sldId id="2147483529" r:id="rId23"/>
+    <p:sldId id="2147483510" r:id="rId24"/>
+    <p:sldId id="2147483530" r:id="rId25"/>
+    <p:sldId id="2147483531" r:id="rId26"/>
+    <p:sldId id="2147483522" r:id="rId27"/>
+    <p:sldId id="2147483532" r:id="rId28"/>
+    <p:sldId id="2516" r:id="rId29"/>
+    <p:sldId id="2147483506" r:id="rId30"/>
+    <p:sldId id="582" r:id="rId31"/>
+    <p:sldId id="2419" r:id="rId32"/>
   </p:sldIdLst>
   <p:sldSz cx="12196763" cy="6858000"/>
   <p:notesSz cx="6858000" cy="9144000"/>
@@ -240,7 +245,7 @@
           <a:p>
             <a:fld id="{E8CF71B8-DF2A-2E41-BE66-2E18A767DA8A}" type="datetimeFigureOut">
               <a:rPr lang="en-US" smtClean="0"/>
-              <a:t>7/13/2025</a:t>
+              <a:t>8/17/2025</a:t>
             </a:fld>
             <a:endParaRPr lang="en-US"/>
           </a:p>
@@ -417,7 +422,7 @@
           <a:p>
             <a:fld id="{0DD60A27-BF12-6744-9E93-932A0E34D8BB}" type="datetimeFigureOut">
               <a:rPr lang="en-US" smtClean="0"/>
-              <a:t>7/13/2025</a:t>
+              <a:t>8/17/2025</a:t>
             </a:fld>
             <a:endParaRPr lang="en-US"/>
           </a:p>
@@ -1157,7 +1162,7 @@
           <a:p>
             <a:fld id="{17021A3A-000B-724D-82E6-58165F25070D}" type="slidenum">
               <a:rPr kumimoji="1" lang="zh-CN" altLang="en-US" smtClean="0"/>
-              <a:t>18</a:t>
+              <a:t>20</a:t>
             </a:fld>
             <a:endParaRPr kumimoji="1" lang="zh-CN" altLang="en-US"/>
           </a:p>
@@ -1265,7 +1270,7 @@
           <a:p>
             <a:fld id="{17021A3A-000B-724D-82E6-58165F25070D}" type="slidenum">
               <a:rPr kumimoji="1" lang="zh-CN" altLang="en-US" smtClean="0"/>
-              <a:t>19</a:t>
+              <a:t>23</a:t>
             </a:fld>
             <a:endParaRPr kumimoji="1" lang="zh-CN" altLang="en-US"/>
           </a:p>
@@ -1349,7 +1354,7 @@
           <a:p>
             <a:fld id="{17021A3A-000B-724D-82E6-58165F25070D}" type="slidenum">
               <a:rPr kumimoji="1" lang="zh-CN" altLang="en-US" smtClean="0"/>
-              <a:t>20</a:t>
+              <a:t>25</a:t>
             </a:fld>
             <a:endParaRPr kumimoji="1" lang="zh-CN" altLang="en-US"/>
           </a:p>
@@ -28696,8 +28701,8 @@
         </p:nvSpPr>
         <p:spPr>
           <a:xfrm>
-            <a:off x="794489" y="3018090"/>
-            <a:ext cx="10607784" cy="2526175"/>
+            <a:off x="515639" y="3018090"/>
+            <a:ext cx="10886634" cy="2526175"/>
           </a:xfrm>
           <a:prstGeom prst="rect">
             <a:avLst/>
@@ -28894,6 +28899,23 @@
               </a:rPr>
               <a:t>Paged Attention</a:t>
             </a:r>
+            <a:r>
+              <a:rPr lang="zh-CN" altLang="en-US" sz="9600" dirty="0">
+                <a:solidFill>
+                  <a:schemeClr val="bg1"/>
+                </a:solidFill>
+                <a:latin typeface="Lexend" pitchFamily="2" charset="0"/>
+                <a:cs typeface="Futura-Medium" panose="020B0602020204020303" pitchFamily="34" charset="-79"/>
+              </a:rPr>
+              <a:t>原理</a:t>
+            </a:r>
+            <a:endParaRPr lang="en-US" altLang="zh-CN" sz="9600" dirty="0">
+              <a:solidFill>
+                <a:schemeClr val="bg1"/>
+              </a:solidFill>
+              <a:latin typeface="Lexend" pitchFamily="2" charset="0"/>
+              <a:cs typeface="Futura-Medium" panose="020B0602020204020303" pitchFamily="34" charset="-79"/>
+            </a:endParaRPr>
           </a:p>
         </p:txBody>
       </p:sp>
@@ -29310,13 +29332,13 @@
   <p:clrMapOvr>
     <a:masterClrMapping/>
   </p:clrMapOvr>
-  <mc:AlternateContent xmlns:mc="http://schemas.openxmlformats.org/markup-compatibility/2006">
-    <mc:Choice xmlns:p159="http://schemas.microsoft.com/office/powerpoint/2015/09/main" Requires="p159">
+  <mc:AlternateContent xmlns:mc="http://schemas.openxmlformats.org/markup-compatibility/2006" xmlns:p159="http://schemas.microsoft.com/office/powerpoint/2015/09/main">
+    <mc:Choice Requires="p159">
       <p:transition xmlns:p14="http://schemas.microsoft.com/office/powerpoint/2010/main" spd="slow" p14:dur="2000">
         <p159:morph option="byObject"/>
       </p:transition>
     </mc:Choice>
-    <mc:Fallback>
+    <mc:Fallback xmlns="">
       <p:transition spd="slow">
         <p:fade/>
       </p:transition>
@@ -29547,13 +29569,13 @@
   <p:clrMapOvr>
     <a:masterClrMapping/>
   </p:clrMapOvr>
-  <mc:AlternateContent xmlns:mc="http://schemas.openxmlformats.org/markup-compatibility/2006">
-    <mc:Choice xmlns:p159="http://schemas.microsoft.com/office/powerpoint/2015/09/main" Requires="p159">
+  <mc:AlternateContent xmlns:mc="http://schemas.openxmlformats.org/markup-compatibility/2006" xmlns:p159="http://schemas.microsoft.com/office/powerpoint/2015/09/main">
+    <mc:Choice Requires="p159">
       <p:transition xmlns:p14="http://schemas.microsoft.com/office/powerpoint/2010/main" spd="slow" p14:dur="2000">
         <p159:morph option="byObject"/>
       </p:transition>
     </mc:Choice>
-    <mc:Fallback>
+    <mc:Fallback xmlns="">
       <p:transition spd="slow">
         <p:fade/>
       </p:transition>
@@ -29962,13 +29984,13 @@
   <p:clrMapOvr>
     <a:masterClrMapping/>
   </p:clrMapOvr>
-  <mc:AlternateContent xmlns:mc="http://schemas.openxmlformats.org/markup-compatibility/2006">
-    <mc:Choice xmlns:p159="http://schemas.microsoft.com/office/powerpoint/2015/09/main" Requires="p159">
+  <mc:AlternateContent xmlns:mc="http://schemas.openxmlformats.org/markup-compatibility/2006" xmlns:p159="http://schemas.microsoft.com/office/powerpoint/2015/09/main">
+    <mc:Choice Requires="p159">
       <p:transition xmlns:p14="http://schemas.microsoft.com/office/powerpoint/2010/main" spd="slow" p14:dur="2000">
         <p159:morph option="byObject"/>
       </p:transition>
     </mc:Choice>
-    <mc:Fallback>
+    <mc:Fallback xmlns="">
       <p:transition spd="slow">
         <p:fade/>
       </p:transition>
@@ -30135,13 +30157,13 @@
   <p:clrMapOvr>
     <a:masterClrMapping/>
   </p:clrMapOvr>
-  <mc:AlternateContent xmlns:mc="http://schemas.openxmlformats.org/markup-compatibility/2006">
-    <mc:Choice xmlns:p159="http://schemas.microsoft.com/office/powerpoint/2015/09/main" Requires="p159">
+  <mc:AlternateContent xmlns:mc="http://schemas.openxmlformats.org/markup-compatibility/2006" xmlns:p159="http://schemas.microsoft.com/office/powerpoint/2015/09/main">
+    <mc:Choice Requires="p159">
       <p:transition xmlns:p14="http://schemas.microsoft.com/office/powerpoint/2010/main" spd="slow" p14:dur="2000">
         <p159:morph option="byObject"/>
       </p:transition>
     </mc:Choice>
-    <mc:Fallback>
+    <mc:Fallback xmlns="">
       <p:transition spd="slow">
         <p:fade/>
       </p:transition>
@@ -30442,6 +30464,35 @@
               <a:rPr lang="zh-CN" altLang="en-US" dirty="0"/>
               <a:t>都没做完推理，应该怎么办？</a:t>
             </a:r>
+            <a:endParaRPr lang="en-US" altLang="zh-CN" dirty="0"/>
+          </a:p>
+          <a:p>
+            <a:r>
+              <a:rPr lang="zh-CN" altLang="en-US" dirty="0"/>
+              <a:t>需要进行</a:t>
+            </a:r>
+            <a:r>
+              <a:rPr lang="zh-CN" altLang="en-US" b="1" dirty="0"/>
+              <a:t>抢占（</a:t>
+            </a:r>
+            <a:r>
+              <a:rPr lang="en-US" altLang="zh-CN" b="1" dirty="0"/>
+              <a:t>preemption</a:t>
+            </a:r>
+            <a:r>
+              <a:rPr lang="zh-CN" altLang="en-US" b="1" dirty="0"/>
+              <a:t>）</a:t>
+            </a:r>
+            <a:r>
+              <a:rPr lang="zh-CN" altLang="en-US" dirty="0"/>
+              <a:t>，暂时中断一些任务的执行</a:t>
+            </a:r>
+            <a:endParaRPr lang="en-US" altLang="zh-CN" dirty="0"/>
+          </a:p>
+          <a:p>
+            <a:pPr marL="0" indent="0">
+              <a:buNone/>
+            </a:pPr>
             <a:endParaRPr lang="en-US" altLang="zh-CN" dirty="0"/>
           </a:p>
         </p:txBody>
@@ -30521,6 +30572,10 @@
           <a:lstStyle/>
           <a:p>
             <a:r>
+              <a:rPr lang="en-US" altLang="zh-CN" dirty="0" err="1"/>
+              <a:t>vllm</a:t>
+            </a:r>
+            <a:r>
               <a:rPr lang="zh-CN" altLang="en-US" dirty="0"/>
               <a:t>调度原则</a:t>
             </a:r>
@@ -30570,7 +30625,15 @@
           <a:p>
             <a:r>
               <a:rPr lang="zh-CN" altLang="en-US" dirty="0"/>
-              <a:t>如有抢占的需要，后来的请求先被抢占（</a:t>
+              <a:t>如有抢占的需要，后来的请求先被</a:t>
+            </a:r>
+            <a:r>
+              <a:rPr lang="zh-CN" altLang="en-US" b="1" dirty="0"/>
+              <a:t>抢占</a:t>
+            </a:r>
+            <a:r>
+              <a:rPr lang="zh-CN" altLang="en-US" dirty="0"/>
+              <a:t>（</a:t>
             </a:r>
             <a:r>
               <a:rPr lang="en-US" altLang="zh-CN" dirty="0"/>
@@ -30580,13 +30643,37 @@
               <a:rPr lang="zh-CN" altLang="en-US" dirty="0"/>
               <a:t>）</a:t>
             </a:r>
+            <a:endParaRPr lang="en-US" altLang="zh-CN" dirty="0"/>
+          </a:p>
+          <a:p>
+            <a:pPr lvl="1"/>
+            <a:r>
+              <a:rPr lang="zh-CN" altLang="en-US" dirty="0"/>
+              <a:t>应该驱逐哪些块</a:t>
+            </a:r>
             <a:r>
               <a:rPr lang="en-US" altLang="zh-CN" dirty="0"/>
-              <a:t>Cache API</a:t>
+              <a:t>?  </a:t>
             </a:r>
             <a:r>
               <a:rPr lang="zh-CN" altLang="en-US" dirty="0"/>
-              <a:t>负责存储数据与管理自身的更新逻辑</a:t>
+              <a:t>释放被抢占请求的所有块</a:t>
+            </a:r>
+            <a:endParaRPr lang="en-US" altLang="zh-CN" dirty="0"/>
+          </a:p>
+          <a:p>
+            <a:pPr lvl="1"/>
+            <a:r>
+              <a:rPr lang="zh-CN" altLang="en-US" dirty="0"/>
+              <a:t>如何恢复被驱逐的块？ </a:t>
+            </a:r>
+            <a:r>
+              <a:rPr lang="en-US" altLang="zh-CN" b="1" dirty="0"/>
+              <a:t>Swapping / </a:t>
+            </a:r>
+            <a:r>
+              <a:rPr lang="en-US" altLang="zh-CN" b="1" dirty="0" err="1"/>
+              <a:t>Recomputation</a:t>
             </a:r>
             <a:endParaRPr lang="en-US" altLang="zh-CN" dirty="0"/>
           </a:p>
@@ -30624,6 +30711,601 @@
 </file>
 
 <file path=ppt/slides/slide18.xml><?xml version="1.0" encoding="utf-8"?>
+<p:sld xmlns:a="http://schemas.openxmlformats.org/drawingml/2006/main" xmlns:r="http://schemas.openxmlformats.org/officeDocument/2006/relationships" xmlns:p="http://schemas.openxmlformats.org/presentationml/2006/main">
+  <p:cSld>
+    <p:spTree>
+      <p:nvGrpSpPr>
+        <p:cNvPr id="1" name="">
+          <a:extLst>
+            <a:ext uri="{FF2B5EF4-FFF2-40B4-BE49-F238E27FC236}">
+              <a16:creationId xmlns:a16="http://schemas.microsoft.com/office/drawing/2014/main" id="{F0EB0430-04DC-186E-BC4F-94369B5AF160}"/>
+            </a:ext>
+          </a:extLst>
+        </p:cNvPr>
+        <p:cNvGrpSpPr/>
+        <p:nvPr/>
+      </p:nvGrpSpPr>
+      <p:grpSpPr>
+        <a:xfrm>
+          <a:off x="0" y="0"/>
+          <a:ext cx="0" cy="0"/>
+          <a:chOff x="0" y="0"/>
+          <a:chExt cx="0" cy="0"/>
+        </a:xfrm>
+      </p:grpSpPr>
+      <p:sp>
+        <p:nvSpPr>
+          <p:cNvPr id="2" name="标题 1">
+            <a:extLst>
+              <a:ext uri="{FF2B5EF4-FFF2-40B4-BE49-F238E27FC236}">
+                <a16:creationId xmlns:a16="http://schemas.microsoft.com/office/drawing/2014/main" id="{6D8E53A4-1E5C-4D11-DB60-780C414AF9A3}"/>
+              </a:ext>
+            </a:extLst>
+          </p:cNvPr>
+          <p:cNvSpPr>
+            <a:spLocks noGrp="1"/>
+          </p:cNvSpPr>
+          <p:nvPr>
+            <p:ph type="title"/>
+          </p:nvPr>
+        </p:nvSpPr>
+        <p:spPr>
+          <a:xfrm>
+            <a:off x="623635" y="522789"/>
+            <a:ext cx="10963473" cy="589190"/>
+          </a:xfrm>
+        </p:spPr>
+        <p:txBody>
+          <a:bodyPr/>
+          <a:lstStyle/>
+          <a:p>
+            <a:r>
+              <a:rPr lang="zh-CN" altLang="en-US" dirty="0"/>
+              <a:t> </a:t>
+            </a:r>
+            <a:r>
+              <a:rPr lang="en-US" altLang="zh-CN" dirty="0"/>
+              <a:t>Swapping</a:t>
+            </a:r>
+          </a:p>
+        </p:txBody>
+      </p:sp>
+      <p:sp>
+        <p:nvSpPr>
+          <p:cNvPr id="4" name="内容占位符 3">
+            <a:extLst>
+              <a:ext uri="{FF2B5EF4-FFF2-40B4-BE49-F238E27FC236}">
+                <a16:creationId xmlns:a16="http://schemas.microsoft.com/office/drawing/2014/main" id="{853AF9D6-51A3-B22F-A9BB-FF634B3D0DD7}"/>
+              </a:ext>
+            </a:extLst>
+          </p:cNvPr>
+          <p:cNvSpPr>
+            <a:spLocks noGrp="1"/>
+          </p:cNvSpPr>
+          <p:nvPr>
+            <p:ph sz="half" idx="1"/>
+          </p:nvPr>
+        </p:nvSpPr>
+        <p:spPr>
+          <a:xfrm>
+            <a:off x="616644" y="1246909"/>
+            <a:ext cx="10963473" cy="5108171"/>
+          </a:xfrm>
+        </p:spPr>
+        <p:txBody>
+          <a:bodyPr/>
+          <a:lstStyle/>
+          <a:p>
+            <a:r>
+              <a:rPr lang="zh-CN" altLang="en-US" dirty="0"/>
+              <a:t>将被驱逐的块拷贝到</a:t>
+            </a:r>
+            <a:r>
+              <a:rPr lang="en-US" altLang="zh-CN" dirty="0"/>
+              <a:t>CPU</a:t>
+            </a:r>
+            <a:r>
+              <a:rPr lang="zh-CN" altLang="en-US" dirty="0"/>
+              <a:t>中</a:t>
+            </a:r>
+          </a:p>
+          <a:p>
+            <a:r>
+              <a:rPr lang="zh-CN" altLang="en-US" dirty="0"/>
+              <a:t>用</a:t>
+            </a:r>
+            <a:r>
+              <a:rPr lang="en-US" altLang="zh-CN" dirty="0"/>
+              <a:t>CPU</a:t>
+            </a:r>
+            <a:r>
+              <a:rPr lang="zh-CN" altLang="en-US" dirty="0"/>
+              <a:t>块分配器管理交换到</a:t>
+            </a:r>
+            <a:r>
+              <a:rPr lang="en-US" altLang="zh-CN" dirty="0"/>
+              <a:t>CPU</a:t>
+            </a:r>
+            <a:r>
+              <a:rPr lang="zh-CN" altLang="en-US" dirty="0"/>
+              <a:t>中的物理块</a:t>
+            </a:r>
+            <a:endParaRPr lang="en-US" altLang="zh-CN" dirty="0"/>
+          </a:p>
+          <a:p>
+            <a:r>
+              <a:rPr lang="en-US" altLang="zh-CN" dirty="0"/>
+              <a:t>GPU</a:t>
+            </a:r>
+            <a:r>
+              <a:rPr lang="zh-CN" altLang="en-US" dirty="0"/>
+              <a:t>资源充分时将块从</a:t>
+            </a:r>
+            <a:r>
+              <a:rPr lang="en-US" altLang="zh-CN" dirty="0"/>
+              <a:t>CPU</a:t>
+            </a:r>
+            <a:r>
+              <a:rPr lang="zh-CN" altLang="en-US" dirty="0"/>
+              <a:t>重载到</a:t>
+            </a:r>
+            <a:r>
+              <a:rPr lang="en-US" altLang="zh-CN" dirty="0"/>
+              <a:t>GPU</a:t>
+            </a:r>
+            <a:r>
+              <a:rPr lang="zh-CN" altLang="en-US" dirty="0"/>
+              <a:t>上</a:t>
+            </a:r>
+            <a:endParaRPr lang="en-US" altLang="zh-CN" dirty="0"/>
+          </a:p>
+          <a:p>
+            <a:pPr marL="0" indent="0">
+              <a:buNone/>
+            </a:pPr>
+            <a:endParaRPr lang="en-US" altLang="zh-CN" dirty="0"/>
+          </a:p>
+          <a:p>
+            <a:endParaRPr lang="en-US" altLang="zh-CN" dirty="0"/>
+          </a:p>
+        </p:txBody>
+      </p:sp>
+      <p:pic>
+        <p:nvPicPr>
+          <p:cNvPr id="5" name="图片 4">
+            <a:extLst>
+              <a:ext uri="{FF2B5EF4-FFF2-40B4-BE49-F238E27FC236}">
+                <a16:creationId xmlns:a16="http://schemas.microsoft.com/office/drawing/2014/main" id="{1778972D-960F-1467-5233-DF92F804663E}"/>
+              </a:ext>
+            </a:extLst>
+          </p:cNvPr>
+          <p:cNvPicPr>
+            <a:picLocks noChangeAspect="1"/>
+          </p:cNvPicPr>
+          <p:nvPr/>
+        </p:nvPicPr>
+        <p:blipFill>
+          <a:blip r:embed="rId2"/>
+          <a:stretch>
+            <a:fillRect/>
+          </a:stretch>
+        </p:blipFill>
+        <p:spPr>
+          <a:xfrm>
+            <a:off x="6442139" y="1447064"/>
+            <a:ext cx="4965955" cy="2616334"/>
+          </a:xfrm>
+          <a:prstGeom prst="rect">
+            <a:avLst/>
+          </a:prstGeom>
+        </p:spPr>
+      </p:pic>
+    </p:spTree>
+    <p:extLst>
+      <p:ext uri="{BB962C8B-B14F-4D97-AF65-F5344CB8AC3E}">
+        <p14:creationId xmlns:p14="http://schemas.microsoft.com/office/powerpoint/2010/main" val="2625521662"/>
+      </p:ext>
+    </p:extLst>
+  </p:cSld>
+  <p:clrMapOvr>
+    <a:masterClrMapping/>
+  </p:clrMapOvr>
+  <mc:AlternateContent xmlns:mc="http://schemas.openxmlformats.org/markup-compatibility/2006" xmlns:p159="http://schemas.microsoft.com/office/powerpoint/2015/09/main">
+    <mc:Choice Requires="p159">
+      <p:transition xmlns:p14="http://schemas.microsoft.com/office/powerpoint/2010/main" spd="slow" p14:dur="2000">
+        <p159:morph option="byObject"/>
+      </p:transition>
+    </mc:Choice>
+    <mc:Fallback xmlns="">
+      <p:transition spd="slow">
+        <p:fade/>
+      </p:transition>
+    </mc:Fallback>
+  </mc:AlternateContent>
+</p:sld>
+</file>
+
+<file path=ppt/slides/slide19.xml><?xml version="1.0" encoding="utf-8"?>
+<p:sld xmlns:a="http://schemas.openxmlformats.org/drawingml/2006/main" xmlns:r="http://schemas.openxmlformats.org/officeDocument/2006/relationships" xmlns:p="http://schemas.openxmlformats.org/presentationml/2006/main">
+  <p:cSld>
+    <p:spTree>
+      <p:nvGrpSpPr>
+        <p:cNvPr id="1" name="">
+          <a:extLst>
+            <a:ext uri="{FF2B5EF4-FFF2-40B4-BE49-F238E27FC236}">
+              <a16:creationId xmlns:a16="http://schemas.microsoft.com/office/drawing/2014/main" id="{45E502D1-ECC0-C839-DBE2-B6EEEEC5D267}"/>
+            </a:ext>
+          </a:extLst>
+        </p:cNvPr>
+        <p:cNvGrpSpPr/>
+        <p:nvPr/>
+      </p:nvGrpSpPr>
+      <p:grpSpPr>
+        <a:xfrm>
+          <a:off x="0" y="0"/>
+          <a:ext cx="0" cy="0"/>
+          <a:chOff x="0" y="0"/>
+          <a:chExt cx="0" cy="0"/>
+        </a:xfrm>
+      </p:grpSpPr>
+      <p:sp>
+        <p:nvSpPr>
+          <p:cNvPr id="2" name="标题 1">
+            <a:extLst>
+              <a:ext uri="{FF2B5EF4-FFF2-40B4-BE49-F238E27FC236}">
+                <a16:creationId xmlns:a16="http://schemas.microsoft.com/office/drawing/2014/main" id="{EB00277F-F37B-6DE0-253D-2E5518A7D047}"/>
+              </a:ext>
+            </a:extLst>
+          </p:cNvPr>
+          <p:cNvSpPr>
+            <a:spLocks noGrp="1"/>
+          </p:cNvSpPr>
+          <p:nvPr>
+            <p:ph type="title"/>
+          </p:nvPr>
+        </p:nvSpPr>
+        <p:spPr>
+          <a:xfrm>
+            <a:off x="623635" y="522789"/>
+            <a:ext cx="10963473" cy="589190"/>
+          </a:xfrm>
+        </p:spPr>
+        <p:txBody>
+          <a:bodyPr/>
+          <a:lstStyle/>
+          <a:p>
+            <a:r>
+              <a:rPr lang="zh-CN" altLang="en-US" dirty="0"/>
+              <a:t> </a:t>
+            </a:r>
+            <a:r>
+              <a:rPr lang="en-US" altLang="zh-CN" dirty="0" err="1"/>
+              <a:t>Recomputation</a:t>
+            </a:r>
+            <a:endParaRPr lang="en-US" altLang="zh-CN" dirty="0"/>
+          </a:p>
+        </p:txBody>
+      </p:sp>
+      <p:sp>
+        <p:nvSpPr>
+          <p:cNvPr id="4" name="内容占位符 3">
+            <a:extLst>
+              <a:ext uri="{FF2B5EF4-FFF2-40B4-BE49-F238E27FC236}">
+                <a16:creationId xmlns:a16="http://schemas.microsoft.com/office/drawing/2014/main" id="{BA0B0206-DF35-9EE9-F36D-C8521EDB139A}"/>
+              </a:ext>
+            </a:extLst>
+          </p:cNvPr>
+          <p:cNvSpPr>
+            <a:spLocks noGrp="1"/>
+          </p:cNvSpPr>
+          <p:nvPr>
+            <p:ph sz="half" idx="1"/>
+          </p:nvPr>
+        </p:nvSpPr>
+        <p:spPr>
+          <a:xfrm>
+            <a:off x="616644" y="1246909"/>
+            <a:ext cx="10963473" cy="5108171"/>
+          </a:xfrm>
+        </p:spPr>
+        <p:txBody>
+          <a:bodyPr/>
+          <a:lstStyle/>
+          <a:p>
+            <a:r>
+              <a:rPr lang="zh-CN" altLang="en-US" dirty="0"/>
+              <a:t>不需要将</a:t>
+            </a:r>
+            <a:r>
+              <a:rPr lang="en-US" altLang="zh-CN" dirty="0"/>
+              <a:t>block</a:t>
+            </a:r>
+            <a:r>
+              <a:rPr lang="zh-CN" altLang="en-US" dirty="0"/>
+              <a:t>交换到</a:t>
+            </a:r>
+            <a:r>
+              <a:rPr lang="en-US" altLang="zh-CN" dirty="0"/>
+              <a:t>CPU</a:t>
+            </a:r>
+            <a:r>
+              <a:rPr lang="zh-CN" altLang="en-US" dirty="0"/>
+              <a:t>上，直接释放物理块</a:t>
+            </a:r>
+            <a:endParaRPr lang="en-US" altLang="zh-CN" dirty="0"/>
+          </a:p>
+          <a:p>
+            <a:r>
+              <a:rPr lang="zh-CN" altLang="en-US" dirty="0"/>
+              <a:t>当被抢占的序列被重调度时，重新计算</a:t>
+            </a:r>
+            <a:r>
+              <a:rPr lang="en-US" altLang="zh-CN" dirty="0"/>
+              <a:t>KV</a:t>
+            </a:r>
+            <a:r>
+              <a:rPr lang="zh-CN" altLang="en-US" dirty="0"/>
+              <a:t>缓存</a:t>
+            </a:r>
+            <a:endParaRPr lang="en-US" altLang="zh-CN" dirty="0"/>
+          </a:p>
+          <a:p>
+            <a:pPr lvl="1"/>
+            <a:r>
+              <a:rPr lang="zh-CN" altLang="en-US" dirty="0"/>
+              <a:t>重新计算的延迟显著低于原来的延迟（可以将被抢占前已经生成的</a:t>
+            </a:r>
+            <a:r>
+              <a:rPr lang="en-US" altLang="zh-CN" dirty="0"/>
+              <a:t>token</a:t>
+            </a:r>
+            <a:r>
+              <a:rPr lang="zh-CN" altLang="en-US" dirty="0"/>
+              <a:t>与原来的用户</a:t>
+            </a:r>
+            <a:r>
+              <a:rPr lang="en-US" altLang="zh-CN" dirty="0"/>
+              <a:t>prompt</a:t>
+            </a:r>
+            <a:r>
+              <a:rPr lang="zh-CN" altLang="en-US" dirty="0"/>
+              <a:t>拼接成新的</a:t>
+            </a:r>
+            <a:r>
+              <a:rPr lang="en-US" altLang="zh-CN" dirty="0"/>
+              <a:t>prompt</a:t>
+            </a:r>
+            <a:r>
+              <a:rPr lang="zh-CN" altLang="en-US" dirty="0"/>
+              <a:t>）</a:t>
+            </a:r>
+            <a:endParaRPr lang="en-US" altLang="zh-CN" dirty="0"/>
+          </a:p>
+          <a:p>
+            <a:pPr marL="0" indent="0">
+              <a:buNone/>
+            </a:pPr>
+            <a:endParaRPr lang="zh-CN" altLang="en-US" dirty="0"/>
+          </a:p>
+          <a:p>
+            <a:pPr marL="0" indent="0">
+              <a:buNone/>
+            </a:pPr>
+            <a:endParaRPr lang="en-US" altLang="zh-CN" dirty="0"/>
+          </a:p>
+          <a:p>
+            <a:endParaRPr lang="en-US" altLang="zh-CN" dirty="0"/>
+          </a:p>
+        </p:txBody>
+      </p:sp>
+    </p:spTree>
+    <p:extLst>
+      <p:ext uri="{BB962C8B-B14F-4D97-AF65-F5344CB8AC3E}">
+        <p14:creationId xmlns:p14="http://schemas.microsoft.com/office/powerpoint/2010/main" val="2678169038"/>
+      </p:ext>
+    </p:extLst>
+  </p:cSld>
+  <p:clrMapOvr>
+    <a:masterClrMapping/>
+  </p:clrMapOvr>
+  <mc:AlternateContent xmlns:mc="http://schemas.openxmlformats.org/markup-compatibility/2006" xmlns:p159="http://schemas.microsoft.com/office/powerpoint/2015/09/main">
+    <mc:Choice Requires="p159">
+      <p:transition xmlns:p14="http://schemas.microsoft.com/office/powerpoint/2010/main" spd="slow" p14:dur="2000">
+        <p159:morph option="byObject"/>
+      </p:transition>
+    </mc:Choice>
+    <mc:Fallback xmlns="">
+      <p:transition spd="slow">
+        <p:fade/>
+      </p:transition>
+    </mc:Fallback>
+  </mc:AlternateContent>
+</p:sld>
+</file>
+
+<file path=ppt/slides/slide2.xml><?xml version="1.0" encoding="utf-8"?>
+<p:sld xmlns:a="http://schemas.openxmlformats.org/drawingml/2006/main" xmlns:r="http://schemas.openxmlformats.org/officeDocument/2006/relationships" xmlns:p="http://schemas.openxmlformats.org/presentationml/2006/main">
+  <p:cSld>
+    <p:spTree>
+      <p:nvGrpSpPr>
+        <p:cNvPr id="1" name=""/>
+        <p:cNvGrpSpPr/>
+        <p:nvPr/>
+      </p:nvGrpSpPr>
+      <p:grpSpPr>
+        <a:xfrm>
+          <a:off x="0" y="0"/>
+          <a:ext cx="0" cy="0"/>
+          <a:chOff x="0" y="0"/>
+          <a:chExt cx="0" cy="0"/>
+        </a:xfrm>
+      </p:grpSpPr>
+      <p:sp>
+        <p:nvSpPr>
+          <p:cNvPr id="4" name="标题 3">
+            <a:extLst>
+              <a:ext uri="{FF2B5EF4-FFF2-40B4-BE49-F238E27FC236}">
+                <a16:creationId xmlns:a16="http://schemas.microsoft.com/office/drawing/2014/main" id="{D43EA0A0-A1D4-9A7C-E44B-7507D40F592C}"/>
+              </a:ext>
+            </a:extLst>
+          </p:cNvPr>
+          <p:cNvSpPr>
+            <a:spLocks noGrp="1"/>
+          </p:cNvSpPr>
+          <p:nvPr>
+            <p:ph type="title"/>
+          </p:nvPr>
+        </p:nvSpPr>
+        <p:spPr/>
+        <p:txBody>
+          <a:bodyPr/>
+          <a:lstStyle/>
+          <a:p>
+            <a:r>
+              <a:rPr lang="en-US" altLang="zh-CN" dirty="0"/>
+              <a:t>Content</a:t>
+            </a:r>
+            <a:endParaRPr lang="zh-CN" altLang="en-US" dirty="0"/>
+          </a:p>
+        </p:txBody>
+      </p:sp>
+      <p:sp>
+        <p:nvSpPr>
+          <p:cNvPr id="5" name="内容占位符 4">
+            <a:extLst>
+              <a:ext uri="{FF2B5EF4-FFF2-40B4-BE49-F238E27FC236}">
+                <a16:creationId xmlns:a16="http://schemas.microsoft.com/office/drawing/2014/main" id="{713EC896-7276-5544-F776-BD555D78E657}"/>
+              </a:ext>
+            </a:extLst>
+          </p:cNvPr>
+          <p:cNvSpPr>
+            <a:spLocks noGrp="1"/>
+          </p:cNvSpPr>
+          <p:nvPr>
+            <p:ph sz="half" idx="1"/>
+          </p:nvPr>
+        </p:nvSpPr>
+        <p:spPr/>
+        <p:txBody>
+          <a:bodyPr/>
+          <a:lstStyle/>
+          <a:p>
+            <a:pPr marL="753456" lvl="1" indent="-514350">
+              <a:buFont typeface="+mj-lt"/>
+              <a:buAutoNum type="arabicPeriod"/>
+            </a:pPr>
+            <a:r>
+              <a:rPr lang="en-US" altLang="zh-CN" sz="2400" dirty="0"/>
+              <a:t>KV</a:t>
+            </a:r>
+            <a:r>
+              <a:rPr lang="zh-CN" altLang="en-US" sz="2400" dirty="0"/>
+              <a:t> </a:t>
+            </a:r>
+            <a:r>
+              <a:rPr lang="en-US" altLang="zh-CN" sz="2400" dirty="0"/>
+              <a:t>Cache</a:t>
+            </a:r>
+            <a:r>
+              <a:rPr lang="zh-CN" altLang="en-US" sz="2400" dirty="0"/>
+              <a:t>内存管理的挑战</a:t>
+            </a:r>
+            <a:endParaRPr lang="en-US" altLang="zh-CN" sz="2400" dirty="0"/>
+          </a:p>
+          <a:p>
+            <a:pPr marL="753456" lvl="1" indent="-514350">
+              <a:buFont typeface="+mj-lt"/>
+              <a:buAutoNum type="arabicPeriod"/>
+            </a:pPr>
+            <a:r>
+              <a:rPr lang="en-US" altLang="zh-CN" sz="2400" dirty="0"/>
+              <a:t>Paged attention</a:t>
+            </a:r>
+            <a:r>
+              <a:rPr lang="zh-CN" altLang="en-US" sz="2400" dirty="0"/>
+              <a:t>原理（操作系统概念，核心组件，不同解码策略下的应用）</a:t>
+            </a:r>
+            <a:endParaRPr lang="en-US" altLang="zh-CN" sz="2400" dirty="0"/>
+          </a:p>
+          <a:p>
+            <a:pPr marL="753456" lvl="1" indent="-514350">
+              <a:buFont typeface="+mj-lt"/>
+              <a:buAutoNum type="arabicPeriod"/>
+            </a:pPr>
+            <a:r>
+              <a:rPr lang="zh-CN" altLang="en-US" sz="2400" dirty="0"/>
+              <a:t>调度与抢占</a:t>
+            </a:r>
+            <a:endParaRPr lang="en-US" altLang="zh-CN" sz="2400" dirty="0"/>
+          </a:p>
+          <a:p>
+            <a:pPr marL="753456" lvl="1" indent="-514350">
+              <a:buFont typeface="+mj-lt"/>
+              <a:buAutoNum type="arabicPeriod"/>
+            </a:pPr>
+            <a:r>
+              <a:rPr lang="zh-CN" altLang="en-US" sz="2400" dirty="0"/>
+              <a:t>分布式场景下内存的管理</a:t>
+            </a:r>
+            <a:endParaRPr lang="en-US" altLang="zh-CN" sz="2400" dirty="0"/>
+          </a:p>
+          <a:p>
+            <a:pPr marL="753456" lvl="1" indent="-514350">
+              <a:buFont typeface="+mj-lt"/>
+              <a:buAutoNum type="arabicPeriod"/>
+            </a:pPr>
+            <a:r>
+              <a:rPr lang="en-US" altLang="zh-CN" sz="2400" dirty="0"/>
+              <a:t>Attention</a:t>
+            </a:r>
+            <a:r>
+              <a:rPr lang="zh-CN" altLang="en-US" sz="2400" dirty="0"/>
+              <a:t>算子的适配</a:t>
+            </a:r>
+            <a:endParaRPr lang="en-US" altLang="zh-CN" sz="2400" dirty="0"/>
+          </a:p>
+          <a:p>
+            <a:pPr marL="753456" lvl="1" indent="-514350">
+              <a:buFont typeface="+mj-lt"/>
+              <a:buAutoNum type="arabicPeriod"/>
+            </a:pPr>
+            <a:endParaRPr lang="en-US" altLang="zh-CN" sz="2400" dirty="0"/>
+          </a:p>
+          <a:p>
+            <a:pPr marL="753456" lvl="1" indent="-514350">
+              <a:buFont typeface="+mj-lt"/>
+              <a:buAutoNum type="arabicPeriod"/>
+            </a:pPr>
+            <a:endParaRPr lang="en-US" altLang="zh-CN" sz="2400" dirty="0"/>
+          </a:p>
+        </p:txBody>
+      </p:sp>
+    </p:spTree>
+    <p:extLst>
+      <p:ext uri="{BB962C8B-B14F-4D97-AF65-F5344CB8AC3E}">
+        <p14:creationId xmlns:p14="http://schemas.microsoft.com/office/powerpoint/2010/main" val="2353713839"/>
+      </p:ext>
+    </p:extLst>
+  </p:cSld>
+  <p:clrMapOvr>
+    <a:masterClrMapping/>
+  </p:clrMapOvr>
+  <mc:AlternateContent xmlns:mc="http://schemas.openxmlformats.org/markup-compatibility/2006" xmlns:p159="http://schemas.microsoft.com/office/powerpoint/2015/09/main">
+    <mc:Choice Requires="p159">
+      <p:transition xmlns:p14="http://schemas.microsoft.com/office/powerpoint/2010/main" spd="slow" p14:dur="2000">
+        <p159:morph option="byObject"/>
+      </p:transition>
+    </mc:Choice>
+    <mc:Fallback xmlns="">
+      <p:transition spd="slow">
+        <p:fade/>
+      </p:transition>
+    </mc:Fallback>
+  </mc:AlternateContent>
+</p:sld>
+</file>
+
+<file path=ppt/slides/slide20.xml><?xml version="1.0" encoding="utf-8"?>
 <p:sld xmlns:a="http://schemas.openxmlformats.org/drawingml/2006/main" xmlns:r="http://schemas.openxmlformats.org/officeDocument/2006/relationships" xmlns:p="http://schemas.openxmlformats.org/presentationml/2006/main">
   <p:cSld>
     <p:spTree>
@@ -30806,7 +31488,397 @@
 </p:sld>
 </file>
 
-<file path=ppt/slides/slide19.xml><?xml version="1.0" encoding="utf-8"?>
+<file path=ppt/slides/slide21.xml><?xml version="1.0" encoding="utf-8"?>
+<p:sld xmlns:a="http://schemas.openxmlformats.org/drawingml/2006/main" xmlns:r="http://schemas.openxmlformats.org/officeDocument/2006/relationships" xmlns:p="http://schemas.openxmlformats.org/presentationml/2006/main">
+  <p:cSld>
+    <p:spTree>
+      <p:nvGrpSpPr>
+        <p:cNvPr id="1" name="">
+          <a:extLst>
+            <a:ext uri="{FF2B5EF4-FFF2-40B4-BE49-F238E27FC236}">
+              <a16:creationId xmlns:a16="http://schemas.microsoft.com/office/drawing/2014/main" id="{DA3CB1F8-EA0B-4179-657B-C7235D99AD92}"/>
+            </a:ext>
+          </a:extLst>
+        </p:cNvPr>
+        <p:cNvGrpSpPr/>
+        <p:nvPr/>
+      </p:nvGrpSpPr>
+      <p:grpSpPr>
+        <a:xfrm>
+          <a:off x="0" y="0"/>
+          <a:ext cx="0" cy="0"/>
+          <a:chOff x="0" y="0"/>
+          <a:chExt cx="0" cy="0"/>
+        </a:xfrm>
+      </p:grpSpPr>
+      <p:sp>
+        <p:nvSpPr>
+          <p:cNvPr id="2" name="标题 1">
+            <a:extLst>
+              <a:ext uri="{FF2B5EF4-FFF2-40B4-BE49-F238E27FC236}">
+                <a16:creationId xmlns:a16="http://schemas.microsoft.com/office/drawing/2014/main" id="{7416419B-FB02-8EAB-95B6-06CB7BB9CEA4}"/>
+              </a:ext>
+            </a:extLst>
+          </p:cNvPr>
+          <p:cNvSpPr>
+            <a:spLocks noGrp="1"/>
+          </p:cNvSpPr>
+          <p:nvPr>
+            <p:ph type="title"/>
+          </p:nvPr>
+        </p:nvSpPr>
+        <p:spPr>
+          <a:xfrm>
+            <a:off x="623635" y="522789"/>
+            <a:ext cx="10963473" cy="589190"/>
+          </a:xfrm>
+        </p:spPr>
+        <p:txBody>
+          <a:bodyPr/>
+          <a:lstStyle/>
+          <a:p>
+            <a:r>
+              <a:rPr lang="zh-CN" altLang="en-US" dirty="0"/>
+              <a:t> 分布式内存管理</a:t>
+            </a:r>
+            <a:endParaRPr lang="en-US" altLang="zh-CN" dirty="0"/>
+          </a:p>
+        </p:txBody>
+      </p:sp>
+      <p:sp>
+        <p:nvSpPr>
+          <p:cNvPr id="4" name="内容占位符 3">
+            <a:extLst>
+              <a:ext uri="{FF2B5EF4-FFF2-40B4-BE49-F238E27FC236}">
+                <a16:creationId xmlns:a16="http://schemas.microsoft.com/office/drawing/2014/main" id="{2CED2E59-5304-C29A-2496-F8AFB8913D5D}"/>
+              </a:ext>
+            </a:extLst>
+          </p:cNvPr>
+          <p:cNvSpPr>
+            <a:spLocks noGrp="1"/>
+          </p:cNvSpPr>
+          <p:nvPr>
+            <p:ph sz="half" idx="1"/>
+          </p:nvPr>
+        </p:nvSpPr>
+        <p:spPr>
+          <a:xfrm>
+            <a:off x="616644" y="1246909"/>
+            <a:ext cx="10963473" cy="5108171"/>
+          </a:xfrm>
+        </p:spPr>
+        <p:txBody>
+          <a:bodyPr/>
+          <a:lstStyle/>
+          <a:p>
+            <a:r>
+              <a:rPr lang="zh-CN" altLang="en-US" dirty="0"/>
+              <a:t>许多</a:t>
+            </a:r>
+            <a:r>
+              <a:rPr lang="en-US" altLang="zh-CN" dirty="0"/>
+              <a:t>LLM</a:t>
+            </a:r>
+            <a:r>
+              <a:rPr lang="zh-CN" altLang="en-US" dirty="0"/>
+              <a:t>参数规模超过了单个</a:t>
+            </a:r>
+            <a:r>
+              <a:rPr lang="en-US" altLang="zh-CN" dirty="0"/>
+              <a:t>GPU</a:t>
+            </a:r>
+            <a:r>
+              <a:rPr lang="zh-CN" altLang="en-US" dirty="0"/>
+              <a:t>的处理能力 ，需要多卡完成推理</a:t>
+            </a:r>
+            <a:endParaRPr lang="en-US" altLang="zh-CN" dirty="0"/>
+          </a:p>
+          <a:p>
+            <a:r>
+              <a:rPr lang="zh-CN" altLang="en-US" dirty="0"/>
+              <a:t>多</a:t>
+            </a:r>
+            <a:r>
+              <a:rPr lang="en-US" altLang="zh-CN" dirty="0"/>
+              <a:t>GPU</a:t>
+            </a:r>
+            <a:r>
+              <a:rPr lang="zh-CN" altLang="en-US" dirty="0"/>
+              <a:t>情况下需要一个能够处理分布式内存的内存管理器</a:t>
+            </a:r>
+            <a:endParaRPr lang="en-US" altLang="zh-CN" dirty="0"/>
+          </a:p>
+          <a:p>
+            <a:pPr marL="0" indent="0">
+              <a:buNone/>
+            </a:pPr>
+            <a:endParaRPr lang="en-US" altLang="zh-CN" dirty="0"/>
+          </a:p>
+          <a:p>
+            <a:pPr marL="0" indent="0">
+              <a:buNone/>
+            </a:pPr>
+            <a:endParaRPr lang="zh-CN" altLang="en-US" dirty="0"/>
+          </a:p>
+          <a:p>
+            <a:pPr marL="0" indent="0">
+              <a:buNone/>
+            </a:pPr>
+            <a:endParaRPr lang="en-US" altLang="zh-CN" dirty="0"/>
+          </a:p>
+          <a:p>
+            <a:endParaRPr lang="en-US" altLang="zh-CN" dirty="0"/>
+          </a:p>
+        </p:txBody>
+      </p:sp>
+    </p:spTree>
+    <p:extLst>
+      <p:ext uri="{BB962C8B-B14F-4D97-AF65-F5344CB8AC3E}">
+        <p14:creationId xmlns:p14="http://schemas.microsoft.com/office/powerpoint/2010/main" val="1678760434"/>
+      </p:ext>
+    </p:extLst>
+  </p:cSld>
+  <p:clrMapOvr>
+    <a:masterClrMapping/>
+  </p:clrMapOvr>
+  <mc:AlternateContent xmlns:mc="http://schemas.openxmlformats.org/markup-compatibility/2006" xmlns:p159="http://schemas.microsoft.com/office/powerpoint/2015/09/main">
+    <mc:Choice Requires="p159">
+      <p:transition xmlns:p14="http://schemas.microsoft.com/office/powerpoint/2010/main" spd="slow" p14:dur="2000">
+        <p159:morph option="byObject"/>
+      </p:transition>
+    </mc:Choice>
+    <mc:Fallback xmlns="">
+      <p:transition spd="slow">
+        <p:fade/>
+      </p:transition>
+    </mc:Fallback>
+  </mc:AlternateContent>
+</p:sld>
+</file>
+
+<file path=ppt/slides/slide22.xml><?xml version="1.0" encoding="utf-8"?>
+<p:sld xmlns:a="http://schemas.openxmlformats.org/drawingml/2006/main" xmlns:r="http://schemas.openxmlformats.org/officeDocument/2006/relationships" xmlns:p="http://schemas.openxmlformats.org/presentationml/2006/main">
+  <p:cSld>
+    <p:spTree>
+      <p:nvGrpSpPr>
+        <p:cNvPr id="1" name="">
+          <a:extLst>
+            <a:ext uri="{FF2B5EF4-FFF2-40B4-BE49-F238E27FC236}">
+              <a16:creationId xmlns:a16="http://schemas.microsoft.com/office/drawing/2014/main" id="{D76EDBB6-3103-ED87-E208-E5849FBF3135}"/>
+            </a:ext>
+          </a:extLst>
+        </p:cNvPr>
+        <p:cNvGrpSpPr/>
+        <p:nvPr/>
+      </p:nvGrpSpPr>
+      <p:grpSpPr>
+        <a:xfrm>
+          <a:off x="0" y="0"/>
+          <a:ext cx="0" cy="0"/>
+          <a:chOff x="0" y="0"/>
+          <a:chExt cx="0" cy="0"/>
+        </a:xfrm>
+      </p:grpSpPr>
+      <p:sp>
+        <p:nvSpPr>
+          <p:cNvPr id="2" name="标题 1">
+            <a:extLst>
+              <a:ext uri="{FF2B5EF4-FFF2-40B4-BE49-F238E27FC236}">
+                <a16:creationId xmlns:a16="http://schemas.microsoft.com/office/drawing/2014/main" id="{85B5A4F0-A36F-2A6B-D4EA-2D59BE06558E}"/>
+              </a:ext>
+            </a:extLst>
+          </p:cNvPr>
+          <p:cNvSpPr>
+            <a:spLocks noGrp="1"/>
+          </p:cNvSpPr>
+          <p:nvPr>
+            <p:ph type="title"/>
+          </p:nvPr>
+        </p:nvSpPr>
+        <p:spPr>
+          <a:xfrm>
+            <a:off x="623635" y="522789"/>
+            <a:ext cx="10963473" cy="589190"/>
+          </a:xfrm>
+        </p:spPr>
+        <p:txBody>
+          <a:bodyPr/>
+          <a:lstStyle/>
+          <a:p>
+            <a:r>
+              <a:rPr lang="zh-CN" altLang="en-US" dirty="0"/>
+              <a:t> 分布式内存管理</a:t>
+            </a:r>
+            <a:endParaRPr lang="en-US" altLang="zh-CN" dirty="0"/>
+          </a:p>
+        </p:txBody>
+      </p:sp>
+      <p:sp>
+        <p:nvSpPr>
+          <p:cNvPr id="4" name="内容占位符 3">
+            <a:extLst>
+              <a:ext uri="{FF2B5EF4-FFF2-40B4-BE49-F238E27FC236}">
+                <a16:creationId xmlns:a16="http://schemas.microsoft.com/office/drawing/2014/main" id="{7E0A6E82-4513-21F1-F113-919D27154E2D}"/>
+              </a:ext>
+            </a:extLst>
+          </p:cNvPr>
+          <p:cNvSpPr>
+            <a:spLocks noGrp="1"/>
+          </p:cNvSpPr>
+          <p:nvPr>
+            <p:ph sz="half" idx="1"/>
+          </p:nvPr>
+        </p:nvSpPr>
+        <p:spPr>
+          <a:xfrm>
+            <a:off x="616644" y="1246909"/>
+            <a:ext cx="10963473" cy="5108171"/>
+          </a:xfrm>
+        </p:spPr>
+        <p:txBody>
+          <a:bodyPr/>
+          <a:lstStyle/>
+          <a:p>
+            <a:r>
+              <a:rPr lang="en-US" altLang="zh-CN" dirty="0"/>
+              <a:t>KV</a:t>
+            </a:r>
+            <a:r>
+              <a:rPr lang="zh-CN" altLang="en-US" dirty="0"/>
+              <a:t> </a:t>
+            </a:r>
+            <a:r>
+              <a:rPr lang="en-US" altLang="zh-CN" dirty="0"/>
+              <a:t>Cache</a:t>
+            </a:r>
+            <a:r>
+              <a:rPr lang="zh-CN" altLang="en-US" dirty="0"/>
+              <a:t>管理器：负责计算和管理每张卡上</a:t>
+            </a:r>
+            <a:r>
+              <a:rPr lang="en-US" altLang="zh-CN" dirty="0"/>
+              <a:t>KV Cache</a:t>
+            </a:r>
+            <a:r>
+              <a:rPr lang="zh-CN" altLang="en-US" dirty="0"/>
+              <a:t>逻辑块到物理块的映射表</a:t>
+            </a:r>
+            <a:endParaRPr lang="en-US" altLang="zh-CN" dirty="0"/>
+          </a:p>
+          <a:p>
+            <a:r>
+              <a:rPr lang="zh-CN" altLang="en-US" dirty="0"/>
+              <a:t>所有</a:t>
+            </a:r>
+            <a:r>
+              <a:rPr lang="en-US" altLang="zh-CN" dirty="0"/>
+              <a:t>GPU</a:t>
+            </a:r>
+            <a:r>
+              <a:rPr lang="zh-CN" altLang="en-US" dirty="0"/>
+              <a:t>共享一个</a:t>
+            </a:r>
+            <a:r>
+              <a:rPr lang="en-US" altLang="zh-CN" dirty="0"/>
+              <a:t>KV Cache</a:t>
+            </a:r>
+            <a:r>
+              <a:rPr lang="zh-CN" altLang="en-US" dirty="0"/>
+              <a:t>管理器以及从逻辑块到物理块的映射</a:t>
+            </a:r>
+            <a:endParaRPr lang="en-US" altLang="zh-CN" dirty="0"/>
+          </a:p>
+          <a:p>
+            <a:r>
+              <a:rPr lang="zh-CN" altLang="en-US" dirty="0"/>
+              <a:t>在分布式计算时，管理器会将映射表广播到各张卡上，张卡上的</a:t>
+            </a:r>
+            <a:r>
+              <a:rPr lang="en-US" altLang="zh-CN" dirty="0"/>
+              <a:t>Cache engine</a:t>
+            </a:r>
+            <a:r>
+              <a:rPr lang="zh-CN" altLang="en-US" dirty="0"/>
+              <a:t>接收到相关信息后，负责管理各卡上的</a:t>
+            </a:r>
+            <a:r>
+              <a:rPr lang="en-US" altLang="zh-CN" dirty="0"/>
+              <a:t>KV block</a:t>
+            </a:r>
+          </a:p>
+          <a:p>
+            <a:pPr marL="0" indent="0">
+              <a:buNone/>
+            </a:pPr>
+            <a:endParaRPr lang="zh-CN" altLang="en-US" dirty="0"/>
+          </a:p>
+          <a:p>
+            <a:pPr marL="0" indent="0">
+              <a:buNone/>
+            </a:pPr>
+            <a:endParaRPr lang="en-US" altLang="zh-CN" dirty="0"/>
+          </a:p>
+          <a:p>
+            <a:endParaRPr lang="en-US" altLang="zh-CN" dirty="0"/>
+          </a:p>
+        </p:txBody>
+      </p:sp>
+      <p:pic>
+        <p:nvPicPr>
+          <p:cNvPr id="5" name="图片 4">
+            <a:extLst>
+              <a:ext uri="{FF2B5EF4-FFF2-40B4-BE49-F238E27FC236}">
+                <a16:creationId xmlns:a16="http://schemas.microsoft.com/office/drawing/2014/main" id="{D5F535D1-801F-93C5-863B-8FEB08B5C89B}"/>
+              </a:ext>
+            </a:extLst>
+          </p:cNvPr>
+          <p:cNvPicPr>
+            <a:picLocks noChangeAspect="1"/>
+          </p:cNvPicPr>
+          <p:nvPr/>
+        </p:nvPicPr>
+        <p:blipFill>
+          <a:blip r:embed="rId2"/>
+          <a:stretch>
+            <a:fillRect/>
+          </a:stretch>
+        </p:blipFill>
+        <p:spPr>
+          <a:xfrm>
+            <a:off x="5503404" y="3076282"/>
+            <a:ext cx="5067560" cy="2660787"/>
+          </a:xfrm>
+          <a:prstGeom prst="rect">
+            <a:avLst/>
+          </a:prstGeom>
+        </p:spPr>
+      </p:pic>
+    </p:spTree>
+    <p:extLst>
+      <p:ext uri="{BB962C8B-B14F-4D97-AF65-F5344CB8AC3E}">
+        <p14:creationId xmlns:p14="http://schemas.microsoft.com/office/powerpoint/2010/main" val="2259175661"/>
+      </p:ext>
+    </p:extLst>
+  </p:cSld>
+  <p:clrMapOvr>
+    <a:masterClrMapping/>
+  </p:clrMapOvr>
+  <mc:AlternateContent xmlns:mc="http://schemas.openxmlformats.org/markup-compatibility/2006" xmlns:p159="http://schemas.microsoft.com/office/powerpoint/2015/09/main">
+    <mc:Choice Requires="p159">
+      <p:transition xmlns:p14="http://schemas.microsoft.com/office/powerpoint/2010/main" spd="slow" p14:dur="2000">
+        <p159:morph option="byObject"/>
+      </p:transition>
+    </mc:Choice>
+    <mc:Fallback xmlns="">
+      <p:transition spd="slow">
+        <p:fade/>
+      </p:transition>
+    </mc:Fallback>
+  </mc:AlternateContent>
+</p:sld>
+</file>
+
+<file path=ppt/slides/slide23.xml><?xml version="1.0" encoding="utf-8"?>
 <p:sld xmlns:a="http://schemas.openxmlformats.org/drawingml/2006/main" xmlns:r="http://schemas.openxmlformats.org/officeDocument/2006/relationships" xmlns:p="http://schemas.openxmlformats.org/presentationml/2006/main">
   <p:cSld>
     <p:spTree>
@@ -30954,16 +32026,10 @@
           <a:lstStyle/>
           <a:p>
             <a:r>
-              <a:rPr lang="en-US" altLang="zh-CN" dirty="0">
-                <a:latin typeface="微软雅黑" panose="020B0503020204020204" pitchFamily="34" charset="-122"/>
-              </a:rPr>
-              <a:t>Attention</a:t>
-            </a:r>
-            <a:r>
               <a:rPr lang="zh-CN" altLang="en-US" dirty="0">
                 <a:latin typeface="微软雅黑" panose="020B0503020204020204" pitchFamily="34" charset="-122"/>
               </a:rPr>
-              <a:t>算子适配</a:t>
+              <a:t>核函数级优化</a:t>
             </a:r>
             <a:endParaRPr lang="en-US" altLang="zh-CN" dirty="0">
               <a:latin typeface="微软雅黑" panose="020B0503020204020204" pitchFamily="34" charset="-122"/>
@@ -30989,12 +32055,18 @@
 </p:sld>
 </file>
 
-<file path=ppt/slides/slide2.xml><?xml version="1.0" encoding="utf-8"?>
+<file path=ppt/slides/slide24.xml><?xml version="1.0" encoding="utf-8"?>
 <p:sld xmlns:a="http://schemas.openxmlformats.org/drawingml/2006/main" xmlns:r="http://schemas.openxmlformats.org/officeDocument/2006/relationships" xmlns:p="http://schemas.openxmlformats.org/presentationml/2006/main">
   <p:cSld>
     <p:spTree>
       <p:nvGrpSpPr>
-        <p:cNvPr id="1" name=""/>
+        <p:cNvPr id="1" name="">
+          <a:extLst>
+            <a:ext uri="{FF2B5EF4-FFF2-40B4-BE49-F238E27FC236}">
+              <a16:creationId xmlns:a16="http://schemas.microsoft.com/office/drawing/2014/main" id="{69518EFC-7AE6-04E5-51A4-FC25C1DF97CF}"/>
+            </a:ext>
+          </a:extLst>
+        </p:cNvPr>
         <p:cNvGrpSpPr/>
         <p:nvPr/>
       </p:nvGrpSpPr>
@@ -31008,10 +32080,10 @@
       </p:grpSpPr>
       <p:sp>
         <p:nvSpPr>
-          <p:cNvPr id="4" name="标题 3">
+          <p:cNvPr id="2" name="标题 1">
             <a:extLst>
               <a:ext uri="{FF2B5EF4-FFF2-40B4-BE49-F238E27FC236}">
-                <a16:creationId xmlns:a16="http://schemas.microsoft.com/office/drawing/2014/main" id="{D43EA0A0-A1D4-9A7C-E44B-7507D40F592C}"/>
+                <a16:creationId xmlns:a16="http://schemas.microsoft.com/office/drawing/2014/main" id="{44DD00FD-8500-F8A9-23E5-EF0E4141E977}"/>
               </a:ext>
             </a:extLst>
           </p:cNvPr>
@@ -31022,25 +32094,38 @@
             <p:ph type="title"/>
           </p:nvPr>
         </p:nvSpPr>
-        <p:spPr/>
+        <p:spPr>
+          <a:xfrm>
+            <a:off x="623635" y="522789"/>
+            <a:ext cx="10963473" cy="589190"/>
+          </a:xfrm>
+        </p:spPr>
         <p:txBody>
           <a:bodyPr/>
           <a:lstStyle/>
           <a:p>
             <a:r>
+              <a:rPr lang="zh-CN" altLang="en-US" dirty="0"/>
+              <a:t> </a:t>
+            </a:r>
+            <a:r>
               <a:rPr lang="en-US" altLang="zh-CN" dirty="0"/>
-              <a:t>Content</a:t>
-            </a:r>
-            <a:endParaRPr lang="zh-CN" altLang="en-US" dirty="0"/>
+              <a:t>Kernel-level </a:t>
+            </a:r>
+            <a:r>
+              <a:rPr lang="zh-CN" altLang="en-US" dirty="0"/>
+              <a:t>优化</a:t>
+            </a:r>
+            <a:endParaRPr lang="en-US" altLang="zh-CN" dirty="0"/>
           </a:p>
         </p:txBody>
       </p:sp>
       <p:sp>
         <p:nvSpPr>
-          <p:cNvPr id="5" name="内容占位符 4">
+          <p:cNvPr id="4" name="内容占位符 3">
             <a:extLst>
               <a:ext uri="{FF2B5EF4-FFF2-40B4-BE49-F238E27FC236}">
-                <a16:creationId xmlns:a16="http://schemas.microsoft.com/office/drawing/2014/main" id="{713EC896-7276-5544-F776-BD555D78E657}"/>
+                <a16:creationId xmlns:a16="http://schemas.microsoft.com/office/drawing/2014/main" id="{7FA71C3C-C3AE-23AB-2911-6C126045265D}"/>
               </a:ext>
             </a:extLst>
           </p:cNvPr>
@@ -31051,105 +32136,163 @@
             <p:ph sz="half" idx="1"/>
           </p:nvPr>
         </p:nvSpPr>
-        <p:spPr/>
+        <p:spPr>
+          <a:xfrm>
+            <a:off x="616644" y="1246909"/>
+            <a:ext cx="10963473" cy="5108171"/>
+          </a:xfrm>
+        </p:spPr>
         <p:txBody>
           <a:bodyPr/>
           <a:lstStyle/>
           <a:p>
-            <a:pPr marL="753456" lvl="1" indent="-514350">
-              <a:buFont typeface="+mj-lt"/>
-              <a:buAutoNum type="arabicPeriod"/>
-            </a:pPr>
-            <a:r>
-              <a:rPr lang="en-US" altLang="zh-CN" sz="2400" dirty="0"/>
-              <a:t>KV</a:t>
-            </a:r>
-            <a:r>
-              <a:rPr lang="zh-CN" altLang="en-US" sz="2400" dirty="0"/>
-              <a:t> </a:t>
-            </a:r>
-            <a:r>
-              <a:rPr lang="en-US" altLang="zh-CN" sz="2400" dirty="0"/>
-              <a:t>Cache</a:t>
-            </a:r>
-            <a:r>
-              <a:rPr lang="zh-CN" altLang="en-US" sz="2400" dirty="0"/>
-              <a:t>内存管理的挑战</a:t>
-            </a:r>
-            <a:endParaRPr lang="en-US" altLang="zh-CN" sz="2400" dirty="0"/>
+            <a:r>
+              <a:rPr lang="en-US" altLang="zh-CN" dirty="0" err="1"/>
+              <a:t>PagedAttention</a:t>
+            </a:r>
+            <a:r>
+              <a:rPr lang="zh-CN" altLang="en-US" dirty="0"/>
+              <a:t>引入了现有系统无法有效支持的访存模式，需要新的</a:t>
+            </a:r>
+            <a:r>
+              <a:rPr lang="en-US" altLang="zh-CN" dirty="0"/>
+              <a:t>GPU</a:t>
+            </a:r>
+            <a:r>
+              <a:rPr lang="zh-CN" altLang="en-US" dirty="0"/>
+              <a:t>内核对其进行优化</a:t>
+            </a:r>
+            <a:endParaRPr lang="en-US" altLang="zh-CN" dirty="0"/>
           </a:p>
           <a:p>
-            <a:pPr marL="753456" lvl="1" indent="-514350">
-              <a:buFont typeface="+mj-lt"/>
-              <a:buAutoNum type="arabicPeriod"/>
-            </a:pPr>
-            <a:r>
-              <a:rPr lang="en-US" altLang="zh-CN" sz="2400" dirty="0"/>
-              <a:t>Paged attention</a:t>
-            </a:r>
-            <a:r>
-              <a:rPr lang="zh-CN" altLang="en-US" sz="2400" dirty="0"/>
-              <a:t>原理（操作系统概念，核心组件，不同解码策略下的应用）</a:t>
-            </a:r>
-            <a:endParaRPr lang="en-US" altLang="zh-CN" sz="2400" dirty="0"/>
+            <a:r>
+              <a:rPr lang="en-US" altLang="zh-CN" dirty="0"/>
+              <a:t>Kernel</a:t>
+            </a:r>
+            <a:r>
+              <a:rPr lang="zh-CN" altLang="en-US" dirty="0"/>
+              <a:t>优化</a:t>
+            </a:r>
+            <a:endParaRPr lang="en-US" altLang="zh-CN" dirty="0"/>
           </a:p>
           <a:p>
-            <a:pPr marL="753456" lvl="1" indent="-514350">
-              <a:buFont typeface="+mj-lt"/>
-              <a:buAutoNum type="arabicPeriod"/>
-            </a:pPr>
-            <a:r>
-              <a:rPr lang="zh-CN" altLang="en-US" sz="2400" dirty="0"/>
-              <a:t>调度与抢占</a:t>
-            </a:r>
-            <a:endParaRPr lang="en-US" altLang="zh-CN" sz="2400" dirty="0"/>
+            <a:pPr lvl="1"/>
+            <a:r>
+              <a:rPr lang="zh-CN" altLang="en-US" dirty="0"/>
+              <a:t>融合</a:t>
+            </a:r>
+            <a:r>
+              <a:rPr lang="en-US" altLang="zh-CN" dirty="0"/>
+              <a:t>KV</a:t>
+            </a:r>
+            <a:r>
+              <a:rPr lang="zh-CN" altLang="en-US" dirty="0"/>
+              <a:t>缓存写入：将 计算新</a:t>
+            </a:r>
+            <a:r>
+              <a:rPr lang="en-US" altLang="zh-CN" dirty="0"/>
+              <a:t>KV</a:t>
+            </a:r>
+            <a:r>
+              <a:rPr lang="zh-CN" altLang="en-US" dirty="0"/>
+              <a:t> </a:t>
+            </a:r>
+            <a:r>
+              <a:rPr lang="en-US" altLang="zh-CN" dirty="0"/>
+              <a:t>-&gt; </a:t>
+            </a:r>
+            <a:r>
+              <a:rPr lang="zh-CN" altLang="en-US" dirty="0"/>
+              <a:t>调整内存布局</a:t>
+            </a:r>
+            <a:r>
+              <a:rPr lang="en-US" altLang="zh-CN" dirty="0"/>
+              <a:t>(Reshape)</a:t>
+            </a:r>
+            <a:r>
+              <a:rPr lang="zh-CN" altLang="en-US" dirty="0"/>
+              <a:t> </a:t>
+            </a:r>
+            <a:r>
+              <a:rPr lang="en-US" altLang="zh-CN" dirty="0"/>
+              <a:t>-&gt; </a:t>
+            </a:r>
+            <a:r>
+              <a:rPr lang="zh-CN" altLang="en-US" dirty="0"/>
+              <a:t>写入物理块 这三个步骤融合进一个</a:t>
+            </a:r>
+            <a:r>
+              <a:rPr lang="en-US" altLang="zh-CN" dirty="0"/>
+              <a:t>Kernel</a:t>
+            </a:r>
+            <a:r>
+              <a:rPr lang="zh-CN" altLang="en-US" dirty="0"/>
+              <a:t>，避免了三次独立的</a:t>
+            </a:r>
+            <a:r>
+              <a:rPr lang="en-US" altLang="zh-CN" dirty="0"/>
+              <a:t>Kernel</a:t>
+            </a:r>
+            <a:r>
+              <a:rPr lang="zh-CN" altLang="en-US" dirty="0"/>
+              <a:t>启动和中间数据的读写</a:t>
+            </a:r>
+            <a:endParaRPr lang="en-US" altLang="zh-CN" dirty="0"/>
           </a:p>
           <a:p>
-            <a:pPr marL="753456" lvl="1" indent="-514350">
-              <a:buFont typeface="+mj-lt"/>
-              <a:buAutoNum type="arabicPeriod"/>
-            </a:pPr>
-            <a:r>
-              <a:rPr lang="zh-CN" altLang="en-US" sz="2400" dirty="0"/>
-              <a:t>分布式场景下内存的管理</a:t>
-            </a:r>
-            <a:endParaRPr lang="en-US" altLang="zh-CN" sz="2400" dirty="0"/>
+            <a:pPr lvl="1"/>
+            <a:r>
+              <a:rPr lang="zh-CN" altLang="en-US" dirty="0"/>
+              <a:t>融合块读取与注意力计算：修改</a:t>
+            </a:r>
+            <a:r>
+              <a:rPr lang="en-US" altLang="zh-CN" dirty="0"/>
+              <a:t>Attention Kernel</a:t>
+            </a:r>
+            <a:r>
+              <a:rPr lang="zh-CN" altLang="en-US" dirty="0"/>
+              <a:t>，让它能直接根据</a:t>
+            </a:r>
+            <a:r>
+              <a:rPr lang="en-US" altLang="zh-CN" dirty="0"/>
+              <a:t>block_table</a:t>
+            </a:r>
+            <a:r>
+              <a:rPr lang="zh-CN" altLang="en-US" dirty="0"/>
+              <a:t>从非连续的物理块中读取</a:t>
+            </a:r>
+            <a:r>
+              <a:rPr lang="en-US" altLang="zh-CN" dirty="0"/>
+              <a:t>KV</a:t>
+            </a:r>
+            <a:r>
+              <a:rPr lang="zh-CN" altLang="en-US" dirty="0"/>
+              <a:t>数据</a:t>
+            </a:r>
+            <a:endParaRPr lang="en-US" altLang="zh-CN" dirty="0"/>
           </a:p>
           <a:p>
-            <a:pPr marL="753456" lvl="1" indent="-514350">
-              <a:buFont typeface="+mj-lt"/>
-              <a:buAutoNum type="arabicPeriod"/>
-            </a:pPr>
-            <a:r>
-              <a:rPr lang="en-US" altLang="zh-CN" sz="2400" dirty="0"/>
-              <a:t>Attention</a:t>
-            </a:r>
-            <a:r>
-              <a:rPr lang="zh-CN" altLang="en-US" sz="2400" dirty="0"/>
-              <a:t>算子的适配</a:t>
-            </a:r>
-            <a:endParaRPr lang="en-US" altLang="zh-CN" sz="2400" dirty="0"/>
-          </a:p>
-          <a:p>
-            <a:pPr marL="753456" lvl="1" indent="-514350">
-              <a:buFont typeface="+mj-lt"/>
-              <a:buAutoNum type="arabicPeriod"/>
-            </a:pPr>
-            <a:endParaRPr lang="en-US" altLang="zh-CN" sz="2400" dirty="0"/>
-          </a:p>
-          <a:p>
-            <a:pPr marL="753456" lvl="1" indent="-514350">
-              <a:buFont typeface="+mj-lt"/>
-              <a:buAutoNum type="arabicPeriod"/>
-            </a:pPr>
-            <a:endParaRPr lang="en-US" altLang="zh-CN" sz="2400" dirty="0"/>
+            <a:pPr lvl="1"/>
+            <a:r>
+              <a:rPr lang="zh-CN" altLang="en-US" dirty="0"/>
+              <a:t>融合块拷贝：为</a:t>
+            </a:r>
+            <a:r>
+              <a:rPr lang="en-US" altLang="zh-CN" dirty="0"/>
+              <a:t>Copy-on-Write</a:t>
+            </a:r>
+            <a:r>
+              <a:rPr lang="zh-CN" altLang="en-US" dirty="0"/>
+              <a:t>机制实现了一个内核，可以接收一个“拷贝任务列表”，然后一次性、并行地完成所有源块到目标块的数据拷贝。</a:t>
+            </a:r>
+            <a:endParaRPr lang="en-US" altLang="zh-CN" dirty="0"/>
           </a:p>
         </p:txBody>
       </p:sp>
     </p:spTree>
     <p:extLst>
       <p:ext uri="{BB962C8B-B14F-4D97-AF65-F5344CB8AC3E}">
-        <p14:creationId xmlns:p14="http://schemas.microsoft.com/office/powerpoint/2010/main" val="2353713839"/>
+        <p14:creationId xmlns:p14="http://schemas.microsoft.com/office/powerpoint/2010/main" val="4125354151"/>
       </p:ext>
     </p:extLst>
   </p:cSld>
@@ -31171,7 +32314,7 @@
 </p:sld>
 </file>
 
-<file path=ppt/slides/slide20.xml><?xml version="1.0" encoding="utf-8"?>
+<file path=ppt/slides/slide25.xml><?xml version="1.0" encoding="utf-8"?>
 <p:sld xmlns:a="http://schemas.openxmlformats.org/drawingml/2006/main" xmlns:r="http://schemas.openxmlformats.org/officeDocument/2006/relationships" xmlns:p="http://schemas.openxmlformats.org/presentationml/2006/main">
   <p:cSld>
     <p:spTree>
@@ -31266,7 +32409,7 @@
 </p:sld>
 </file>
 
-<file path=ppt/slides/slide21.xml><?xml version="1.0" encoding="utf-8"?>
+<file path=ppt/slides/slide26.xml><?xml version="1.0" encoding="utf-8"?>
 <p:sld xmlns:a="http://schemas.openxmlformats.org/drawingml/2006/main" xmlns:r="http://schemas.openxmlformats.org/officeDocument/2006/relationships" xmlns:p="http://schemas.openxmlformats.org/presentationml/2006/main">
   <p:cSld>
     <p:spTree>
@@ -31415,7 +32558,7 @@
 </p:sld>
 </file>
 
-<file path=ppt/slides/slide22.xml><?xml version="1.0" encoding="utf-8"?>
+<file path=ppt/slides/slide27.xml><?xml version="1.0" encoding="utf-8"?>
 <p:sld xmlns:a="http://schemas.openxmlformats.org/drawingml/2006/main" xmlns:r="http://schemas.openxmlformats.org/officeDocument/2006/relationships" xmlns:p="http://schemas.openxmlformats.org/presentationml/2006/main">
   <p:cSld>
     <p:spTree>
@@ -31457,7 +32600,7 @@
 </p:sld>
 </file>
 
-<file path=ppt/slides/slide23.xml><?xml version="1.0" encoding="utf-8"?>
+<file path=ppt/slides/slide28.xml><?xml version="1.0" encoding="utf-8"?>
 <p:sld xmlns:a="http://schemas.openxmlformats.org/drawingml/2006/main" xmlns:r="http://schemas.openxmlformats.org/officeDocument/2006/relationships" xmlns:p="http://schemas.openxmlformats.org/presentationml/2006/main">
   <p:cSld>
     <p:spTree>
@@ -31565,6 +32708,61 @@
               </a:rPr>
               <a:t>https://arxiv.org/pdf/2309.06180</a:t>
             </a:r>
+            <a:endParaRPr lang="en-US" altLang="zh-CN" b="1" dirty="0">
+              <a:solidFill>
+                <a:srgbClr val="4D6BFE"/>
+              </a:solidFill>
+              <a:latin typeface="PingFang SC" panose="020B0400000000000000" pitchFamily="34" charset="-122"/>
+              <a:ea typeface="PingFang SC" panose="020B0400000000000000" pitchFamily="34" charset="-122"/>
+            </a:endParaRPr>
+          </a:p>
+          <a:p>
+            <a:pPr>
+              <a:lnSpc>
+                <a:spcPct val="100000"/>
+              </a:lnSpc>
+            </a:pPr>
+            <a:r>
+              <a:rPr lang="en-US" altLang="zh-CN" sz="1200" b="1" i="0" dirty="0">
+                <a:solidFill>
+                  <a:srgbClr val="4D6BFE"/>
+                </a:solidFill>
+                <a:effectLst/>
+                <a:latin typeface="PingFang SC" panose="020B0400000000000000" pitchFamily="34" charset="-122"/>
+                <a:ea typeface="PingFang SC" panose="020B0400000000000000" pitchFamily="34" charset="-122"/>
+                <a:hlinkClick r:id="rId4"/>
+              </a:rPr>
+              <a:t>https://zhuanlan.zhihu.com/p/673284781</a:t>
+            </a:r>
+            <a:endParaRPr lang="en-US" altLang="zh-CN" sz="1200" b="1" i="0" dirty="0">
+              <a:solidFill>
+                <a:srgbClr val="4D6BFE"/>
+              </a:solidFill>
+              <a:effectLst/>
+              <a:latin typeface="PingFang SC" panose="020B0400000000000000" pitchFamily="34" charset="-122"/>
+              <a:ea typeface="PingFang SC" panose="020B0400000000000000" pitchFamily="34" charset="-122"/>
+            </a:endParaRPr>
+          </a:p>
+          <a:p>
+            <a:pPr>
+              <a:lnSpc>
+                <a:spcPct val="100000"/>
+              </a:lnSpc>
+            </a:pPr>
+            <a:endParaRPr lang="en-US" altLang="zh-CN" b="1" dirty="0">
+              <a:solidFill>
+                <a:srgbClr val="4D6BFE"/>
+              </a:solidFill>
+              <a:latin typeface="PingFang SC" panose="020B0400000000000000" pitchFamily="34" charset="-122"/>
+              <a:ea typeface="PingFang SC" panose="020B0400000000000000" pitchFamily="34" charset="-122"/>
+            </a:endParaRPr>
+          </a:p>
+          <a:p>
+            <a:pPr>
+              <a:lnSpc>
+                <a:spcPct val="100000"/>
+              </a:lnSpc>
+            </a:pPr>
             <a:endParaRPr lang="en" altLang="zh-CN" sz="1200" b="1" i="0" dirty="0">
               <a:solidFill>
                 <a:srgbClr val="4D6BFE"/>
@@ -31590,7 +32788,7 @@
             </a:r>
             <a:r>
               <a:rPr lang="en" altLang="zh-CN" dirty="0">
-                <a:hlinkClick r:id="rId4"/>
+                <a:hlinkClick r:id="rId5"/>
               </a:rPr>
               <a:t>https://github.com/chenzomi12/AIInfra</a:t>
             </a:r>

--- a/05Infer/02InferSpeedUp/06PagedAttention.pptx
+++ b/05Infer/02InferSpeedUp/06PagedAttention.pptx
@@ -245,7 +245,7 @@
           <a:p>
             <a:fld id="{E8CF71B8-DF2A-2E41-BE66-2E18A767DA8A}" type="datetimeFigureOut">
               <a:rPr lang="en-US" smtClean="0"/>
-              <a:t>8/17/2025</a:t>
+              <a:t>9/12/2025</a:t>
             </a:fld>
             <a:endParaRPr lang="en-US"/>
           </a:p>
@@ -422,7 +422,7 @@
           <a:p>
             <a:fld id="{0DD60A27-BF12-6744-9E93-932A0E34D8BB}" type="datetimeFigureOut">
               <a:rPr lang="en-US" smtClean="0"/>
-              <a:t>8/17/2025</a:t>
+              <a:t>9/12/2025</a:t>
             </a:fld>
             <a:endParaRPr lang="en-US"/>
           </a:p>
